--- a/Mechanical/Schemenskizzen/Powerpoint/Drehfutterplatte.pptx
+++ b/Mechanical/Schemenskizzen/Powerpoint/Drehfutterplatte.pptx
@@ -104,6 +104,11 @@
       </a:defRPr>
     </a:lvl9pPr>
   </p:defaultTextStyle>
+  <p:extLst>
+    <p:ext uri="{EFAFB233-063F-42B5-8137-9DF3F51BA10A}">
+      <p15:sldGuideLst xmlns:p15="http://schemas.microsoft.com/office/powerpoint/2012/main"/>
+    </p:ext>
+  </p:extLst>
 </p:presentation>
 </file>
 
@@ -260,7 +265,7 @@
           <a:p>
             <a:fld id="{499437E5-C42A-4822-B0AA-01A06331AD0C}" type="datetimeFigureOut">
               <a:rPr lang="de-AT" smtClean="0"/>
-              <a:t>09.01.2018</a:t>
+              <a:t>12.01.2018</a:t>
             </a:fld>
             <a:endParaRPr lang="de-AT"/>
           </a:p>
@@ -460,7 +465,7 @@
           <a:p>
             <a:fld id="{499437E5-C42A-4822-B0AA-01A06331AD0C}" type="datetimeFigureOut">
               <a:rPr lang="de-AT" smtClean="0"/>
-              <a:t>09.01.2018</a:t>
+              <a:t>12.01.2018</a:t>
             </a:fld>
             <a:endParaRPr lang="de-AT"/>
           </a:p>
@@ -670,7 +675,7 @@
           <a:p>
             <a:fld id="{499437E5-C42A-4822-B0AA-01A06331AD0C}" type="datetimeFigureOut">
               <a:rPr lang="de-AT" smtClean="0"/>
-              <a:t>09.01.2018</a:t>
+              <a:t>12.01.2018</a:t>
             </a:fld>
             <a:endParaRPr lang="de-AT"/>
           </a:p>
@@ -870,7 +875,7 @@
           <a:p>
             <a:fld id="{499437E5-C42A-4822-B0AA-01A06331AD0C}" type="datetimeFigureOut">
               <a:rPr lang="de-AT" smtClean="0"/>
-              <a:t>09.01.2018</a:t>
+              <a:t>12.01.2018</a:t>
             </a:fld>
             <a:endParaRPr lang="de-AT"/>
           </a:p>
@@ -1146,7 +1151,7 @@
           <a:p>
             <a:fld id="{499437E5-C42A-4822-B0AA-01A06331AD0C}" type="datetimeFigureOut">
               <a:rPr lang="de-AT" smtClean="0"/>
-              <a:t>09.01.2018</a:t>
+              <a:t>12.01.2018</a:t>
             </a:fld>
             <a:endParaRPr lang="de-AT"/>
           </a:p>
@@ -1414,7 +1419,7 @@
           <a:p>
             <a:fld id="{499437E5-C42A-4822-B0AA-01A06331AD0C}" type="datetimeFigureOut">
               <a:rPr lang="de-AT" smtClean="0"/>
-              <a:t>09.01.2018</a:t>
+              <a:t>12.01.2018</a:t>
             </a:fld>
             <a:endParaRPr lang="de-AT"/>
           </a:p>
@@ -1829,7 +1834,7 @@
           <a:p>
             <a:fld id="{499437E5-C42A-4822-B0AA-01A06331AD0C}" type="datetimeFigureOut">
               <a:rPr lang="de-AT" smtClean="0"/>
-              <a:t>09.01.2018</a:t>
+              <a:t>12.01.2018</a:t>
             </a:fld>
             <a:endParaRPr lang="de-AT"/>
           </a:p>
@@ -1971,7 +1976,7 @@
           <a:p>
             <a:fld id="{499437E5-C42A-4822-B0AA-01A06331AD0C}" type="datetimeFigureOut">
               <a:rPr lang="de-AT" smtClean="0"/>
-              <a:t>09.01.2018</a:t>
+              <a:t>12.01.2018</a:t>
             </a:fld>
             <a:endParaRPr lang="de-AT"/>
           </a:p>
@@ -2084,7 +2089,7 @@
           <a:p>
             <a:fld id="{499437E5-C42A-4822-B0AA-01A06331AD0C}" type="datetimeFigureOut">
               <a:rPr lang="de-AT" smtClean="0"/>
-              <a:t>09.01.2018</a:t>
+              <a:t>12.01.2018</a:t>
             </a:fld>
             <a:endParaRPr lang="de-AT"/>
           </a:p>
@@ -2397,7 +2402,7 @@
           <a:p>
             <a:fld id="{499437E5-C42A-4822-B0AA-01A06331AD0C}" type="datetimeFigureOut">
               <a:rPr lang="de-AT" smtClean="0"/>
-              <a:t>09.01.2018</a:t>
+              <a:t>12.01.2018</a:t>
             </a:fld>
             <a:endParaRPr lang="de-AT"/>
           </a:p>
@@ -2686,7 +2691,7 @@
           <a:p>
             <a:fld id="{499437E5-C42A-4822-B0AA-01A06331AD0C}" type="datetimeFigureOut">
               <a:rPr lang="de-AT" smtClean="0"/>
-              <a:t>09.01.2018</a:t>
+              <a:t>12.01.2018</a:t>
             </a:fld>
             <a:endParaRPr lang="de-AT"/>
           </a:p>
@@ -2929,7 +2934,7 @@
           <a:p>
             <a:fld id="{499437E5-C42A-4822-B0AA-01A06331AD0C}" type="datetimeFigureOut">
               <a:rPr lang="de-AT" smtClean="0"/>
-              <a:t>09.01.2018</a:t>
+              <a:t>12.01.2018</a:t>
             </a:fld>
             <a:endParaRPr lang="de-AT"/>
           </a:p>
@@ -3348,10 +3353,10 @@
       </p:grpSpPr>
       <p:grpSp>
         <p:nvGrpSpPr>
-          <p:cNvPr id="31" name="Gruppieren 30">
-            <a:extLst>
-              <a:ext uri="{FF2B5EF4-FFF2-40B4-BE49-F238E27FC236}">
-                <a16:creationId xmlns:a16="http://schemas.microsoft.com/office/drawing/2014/main" id="{C429E5FE-A5FC-4C60-9EE8-D5E9C94F8386}"/>
+          <p:cNvPr id="2" name="Gruppieren 1">
+            <a:extLst>
+              <a:ext uri="{FF2B5EF4-FFF2-40B4-BE49-F238E27FC236}">
+                <a16:creationId xmlns:a16="http://schemas.microsoft.com/office/drawing/2014/main" id="{80EAE591-FFB0-4F0E-8AC3-C780E76E42BE}"/>
               </a:ext>
             </a:extLst>
           </p:cNvPr>
@@ -3360,654 +3365,633 @@
         </p:nvGrpSpPr>
         <p:grpSpPr>
           <a:xfrm>
-            <a:off x="4731067" y="1497648"/>
-            <a:ext cx="2729865" cy="3862705"/>
-            <a:chOff x="4731067" y="1497648"/>
-            <a:chExt cx="2729865" cy="3862705"/>
+            <a:off x="4712575" y="1086398"/>
+            <a:ext cx="2729865" cy="3889159"/>
+            <a:chOff x="4712575" y="1086398"/>
+            <a:chExt cx="2729865" cy="3889159"/>
           </a:xfrm>
         </p:grpSpPr>
-        <p:grpSp>
-          <p:nvGrpSpPr>
-            <p:cNvPr id="4" name="Gruppieren 3">
+        <p:sp>
+          <p:nvSpPr>
+            <p:cNvPr id="5" name="Ellipse 4">
               <a:extLst>
                 <a:ext uri="{FF2B5EF4-FFF2-40B4-BE49-F238E27FC236}">
-                  <a16:creationId xmlns:a16="http://schemas.microsoft.com/office/drawing/2014/main" id="{9EDEE3B4-5DF7-4B76-9EEB-5E80BBE4B9E6}"/>
+                  <a16:creationId xmlns:a16="http://schemas.microsoft.com/office/drawing/2014/main" id="{6292DEAF-737E-4F32-8A1E-56DC99C204F1}"/>
                 </a:ext>
               </a:extLst>
             </p:cNvPr>
-            <p:cNvGrpSpPr/>
+            <p:cNvSpPr/>
             <p:nvPr/>
-          </p:nvGrpSpPr>
-          <p:grpSpPr>
+          </p:nvSpPr>
+          <p:spPr>
             <a:xfrm>
-              <a:off x="4731067" y="1497648"/>
-              <a:ext cx="2729865" cy="3862705"/>
-              <a:chOff x="0" y="0"/>
-              <a:chExt cx="2729948" cy="3863008"/>
+              <a:off x="4889427" y="2437967"/>
+              <a:ext cx="2425074" cy="2424958"/>
             </a:xfrm>
-          </p:grpSpPr>
-          <p:sp>
-            <p:nvSpPr>
-              <p:cNvPr id="5" name="Ellipse 4">
-                <a:extLst>
-                  <a:ext uri="{FF2B5EF4-FFF2-40B4-BE49-F238E27FC236}">
-                    <a16:creationId xmlns:a16="http://schemas.microsoft.com/office/drawing/2014/main" id="{6292DEAF-737E-4F32-8A1E-56DC99C204F1}"/>
-                  </a:ext>
-                </a:extLst>
-              </p:cNvPr>
-              <p:cNvSpPr/>
-              <p:nvPr/>
-            </p:nvSpPr>
-            <p:spPr>
-              <a:xfrm>
-                <a:off x="145774" y="92764"/>
-                <a:ext cx="2425148" cy="2425148"/>
-              </a:xfrm>
-              <a:prstGeom prst="ellipse">
+            <a:prstGeom prst="ellipse">
+              <a:avLst/>
+            </a:prstGeom>
+            <a:solidFill>
+              <a:schemeClr val="bg2"/>
+            </a:solidFill>
+          </p:spPr>
+          <p:style>
+            <a:lnRef idx="2">
+              <a:schemeClr val="accent1">
+                <a:shade val="50000"/>
+              </a:schemeClr>
+            </a:lnRef>
+            <a:fillRef idx="1">
+              <a:schemeClr val="accent1"/>
+            </a:fillRef>
+            <a:effectRef idx="0">
+              <a:schemeClr val="accent1"/>
+            </a:effectRef>
+            <a:fontRef idx="minor">
+              <a:schemeClr val="lt1"/>
+            </a:fontRef>
+          </p:style>
+          <p:txBody>
+            <a:bodyPr rot="0" spcFirstLastPara="0" vert="horz" wrap="square" lIns="91440" tIns="45720" rIns="91440" bIns="45720" numCol="1" spcCol="0" rtlCol="0" fromWordArt="0" anchor="ctr" anchorCtr="0" forceAA="0" compatLnSpc="1">
+              <a:prstTxWarp prst="textNoShape">
                 <a:avLst/>
-              </a:prstGeom>
-              <a:solidFill>
-                <a:schemeClr val="bg2"/>
-              </a:solidFill>
-            </p:spPr>
-            <p:style>
-              <a:lnRef idx="2">
-                <a:schemeClr val="accent1">
-                  <a:shade val="50000"/>
-                </a:schemeClr>
-              </a:lnRef>
-              <a:fillRef idx="1">
-                <a:schemeClr val="accent1"/>
-              </a:fillRef>
-              <a:effectRef idx="0">
-                <a:schemeClr val="accent1"/>
-              </a:effectRef>
-              <a:fontRef idx="minor">
-                <a:schemeClr val="lt1"/>
-              </a:fontRef>
-            </p:style>
-            <p:txBody>
-              <a:bodyPr rot="0" spcFirstLastPara="0" vert="horz" wrap="square" lIns="91440" tIns="45720" rIns="91440" bIns="45720" numCol="1" spcCol="0" rtlCol="0" fromWordArt="0" anchor="ctr" anchorCtr="0" forceAA="0" compatLnSpc="1">
-                <a:prstTxWarp prst="textNoShape">
-                  <a:avLst/>
-                </a:prstTxWarp>
-                <a:noAutofit/>
-              </a:bodyPr>
-              <a:lstStyle/>
-              <a:p>
-                <a:endParaRPr lang="de-AT"/>
-              </a:p>
-            </p:txBody>
-          </p:sp>
-          <p:sp>
-            <p:nvSpPr>
-              <p:cNvPr id="6" name="Ellipse 5">
-                <a:extLst>
-                  <a:ext uri="{FF2B5EF4-FFF2-40B4-BE49-F238E27FC236}">
-                    <a16:creationId xmlns:a16="http://schemas.microsoft.com/office/drawing/2014/main" id="{69E159EF-F2B2-4159-B67C-B5411FC5A35C}"/>
-                  </a:ext>
-                </a:extLst>
-              </p:cNvPr>
-              <p:cNvSpPr/>
-              <p:nvPr/>
-            </p:nvSpPr>
-            <p:spPr>
-              <a:xfrm>
-                <a:off x="1076739" y="331303"/>
-                <a:ext cx="563217" cy="563217"/>
-              </a:xfrm>
-              <a:prstGeom prst="ellipse">
+              </a:prstTxWarp>
+              <a:noAutofit/>
+            </a:bodyPr>
+            <a:lstStyle/>
+            <a:p>
+              <a:endParaRPr lang="de-AT"/>
+            </a:p>
+          </p:txBody>
+        </p:sp>
+        <p:sp>
+          <p:nvSpPr>
+            <p:cNvPr id="6" name="Ellipse 5">
+              <a:extLst>
+                <a:ext uri="{FF2B5EF4-FFF2-40B4-BE49-F238E27FC236}">
+                  <a16:creationId xmlns:a16="http://schemas.microsoft.com/office/drawing/2014/main" id="{69E159EF-F2B2-4159-B67C-B5411FC5A35C}"/>
+                </a:ext>
+              </a:extLst>
+            </p:cNvPr>
+            <p:cNvSpPr/>
+            <p:nvPr/>
+          </p:nvSpPr>
+          <p:spPr>
+            <a:xfrm>
+              <a:off x="5820363" y="2676487"/>
+              <a:ext cx="563200" cy="563173"/>
+            </a:xfrm>
+            <a:prstGeom prst="ellipse">
+              <a:avLst/>
+            </a:prstGeom>
+            <a:solidFill>
+              <a:schemeClr val="accent2">
+                <a:lumMod val="20000"/>
+                <a:lumOff val="80000"/>
+              </a:schemeClr>
+            </a:solidFill>
+          </p:spPr>
+          <p:style>
+            <a:lnRef idx="2">
+              <a:schemeClr val="accent1">
+                <a:shade val="50000"/>
+              </a:schemeClr>
+            </a:lnRef>
+            <a:fillRef idx="1">
+              <a:schemeClr val="accent1"/>
+            </a:fillRef>
+            <a:effectRef idx="0">
+              <a:schemeClr val="accent1"/>
+            </a:effectRef>
+            <a:fontRef idx="minor">
+              <a:schemeClr val="lt1"/>
+            </a:fontRef>
+          </p:style>
+          <p:txBody>
+            <a:bodyPr rot="0" spcFirstLastPara="0" vert="horz" wrap="square" lIns="91440" tIns="45720" rIns="91440" bIns="45720" numCol="1" spcCol="0" rtlCol="0" fromWordArt="0" anchor="ctr" anchorCtr="0" forceAA="0" compatLnSpc="1">
+              <a:prstTxWarp prst="textNoShape">
                 <a:avLst/>
-              </a:prstGeom>
-              <a:solidFill>
-                <a:schemeClr val="accent2">
-                  <a:lumMod val="20000"/>
-                  <a:lumOff val="80000"/>
-                </a:schemeClr>
-              </a:solidFill>
-            </p:spPr>
-            <p:style>
-              <a:lnRef idx="2">
-                <a:schemeClr val="accent1">
-                  <a:shade val="50000"/>
-                </a:schemeClr>
-              </a:lnRef>
-              <a:fillRef idx="1">
-                <a:schemeClr val="accent1"/>
-              </a:fillRef>
-              <a:effectRef idx="0">
-                <a:schemeClr val="accent1"/>
-              </a:effectRef>
-              <a:fontRef idx="minor">
-                <a:schemeClr val="lt1"/>
-              </a:fontRef>
-            </p:style>
-            <p:txBody>
-              <a:bodyPr rot="0" spcFirstLastPara="0" vert="horz" wrap="square" lIns="91440" tIns="45720" rIns="91440" bIns="45720" numCol="1" spcCol="0" rtlCol="0" fromWordArt="0" anchor="ctr" anchorCtr="0" forceAA="0" compatLnSpc="1">
-                <a:prstTxWarp prst="textNoShape">
-                  <a:avLst/>
-                </a:prstTxWarp>
-                <a:noAutofit/>
-              </a:bodyPr>
-              <a:lstStyle/>
-              <a:p>
-                <a:endParaRPr lang="de-AT"/>
-              </a:p>
-            </p:txBody>
-          </p:sp>
-          <p:sp>
-            <p:nvSpPr>
-              <p:cNvPr id="7" name="Ellipse 6">
-                <a:extLst>
-                  <a:ext uri="{FF2B5EF4-FFF2-40B4-BE49-F238E27FC236}">
-                    <a16:creationId xmlns:a16="http://schemas.microsoft.com/office/drawing/2014/main" id="{7CB90FC6-B7D4-4E3E-BE17-979F3FA7293F}"/>
-                  </a:ext>
-                </a:extLst>
-              </p:cNvPr>
-              <p:cNvSpPr/>
-              <p:nvPr/>
-            </p:nvSpPr>
-            <p:spPr>
-              <a:xfrm>
-                <a:off x="1797324" y="1023729"/>
-                <a:ext cx="563217" cy="563217"/>
-              </a:xfrm>
-              <a:prstGeom prst="ellipse">
+              </a:prstTxWarp>
+              <a:noAutofit/>
+            </a:bodyPr>
+            <a:lstStyle/>
+            <a:p>
+              <a:endParaRPr lang="de-AT"/>
+            </a:p>
+          </p:txBody>
+        </p:sp>
+        <p:sp>
+          <p:nvSpPr>
+            <p:cNvPr id="7" name="Ellipse 6">
+              <a:extLst>
+                <a:ext uri="{FF2B5EF4-FFF2-40B4-BE49-F238E27FC236}">
+                  <a16:creationId xmlns:a16="http://schemas.microsoft.com/office/drawing/2014/main" id="{7CB90FC6-B7D4-4E3E-BE17-979F3FA7293F}"/>
+                </a:ext>
+              </a:extLst>
+            </p:cNvPr>
+            <p:cNvSpPr/>
+            <p:nvPr/>
+          </p:nvSpPr>
+          <p:spPr>
+            <a:xfrm>
+              <a:off x="6540926" y="3368859"/>
+              <a:ext cx="563200" cy="563173"/>
+            </a:xfrm>
+            <a:prstGeom prst="ellipse">
+              <a:avLst/>
+            </a:prstGeom>
+            <a:solidFill>
+              <a:schemeClr val="accent2">
+                <a:lumMod val="20000"/>
+                <a:lumOff val="80000"/>
+              </a:schemeClr>
+            </a:solidFill>
+          </p:spPr>
+          <p:style>
+            <a:lnRef idx="2">
+              <a:schemeClr val="accent1">
+                <a:shade val="50000"/>
+              </a:schemeClr>
+            </a:lnRef>
+            <a:fillRef idx="1">
+              <a:schemeClr val="accent1"/>
+            </a:fillRef>
+            <a:effectRef idx="0">
+              <a:schemeClr val="accent1"/>
+            </a:effectRef>
+            <a:fontRef idx="minor">
+              <a:schemeClr val="lt1"/>
+            </a:fontRef>
+          </p:style>
+          <p:txBody>
+            <a:bodyPr rot="0" spcFirstLastPara="0" vert="horz" wrap="square" lIns="91440" tIns="45720" rIns="91440" bIns="45720" numCol="1" spcCol="0" rtlCol="0" fromWordArt="0" anchor="ctr" anchorCtr="0" forceAA="0" compatLnSpc="1">
+              <a:prstTxWarp prst="textNoShape">
                 <a:avLst/>
-              </a:prstGeom>
-              <a:solidFill>
-                <a:schemeClr val="accent2">
-                  <a:lumMod val="20000"/>
-                  <a:lumOff val="80000"/>
-                </a:schemeClr>
-              </a:solidFill>
-            </p:spPr>
-            <p:style>
-              <a:lnRef idx="2">
-                <a:schemeClr val="accent1">
-                  <a:shade val="50000"/>
-                </a:schemeClr>
-              </a:lnRef>
-              <a:fillRef idx="1">
-                <a:schemeClr val="accent1"/>
-              </a:fillRef>
-              <a:effectRef idx="0">
-                <a:schemeClr val="accent1"/>
-              </a:effectRef>
-              <a:fontRef idx="minor">
-                <a:schemeClr val="lt1"/>
-              </a:fontRef>
-            </p:style>
-            <p:txBody>
-              <a:bodyPr rot="0" spcFirstLastPara="0" vert="horz" wrap="square" lIns="91440" tIns="45720" rIns="91440" bIns="45720" numCol="1" spcCol="0" rtlCol="0" fromWordArt="0" anchor="ctr" anchorCtr="0" forceAA="0" compatLnSpc="1">
-                <a:prstTxWarp prst="textNoShape">
-                  <a:avLst/>
-                </a:prstTxWarp>
-                <a:noAutofit/>
-              </a:bodyPr>
-              <a:lstStyle/>
-              <a:p>
-                <a:endParaRPr lang="de-AT"/>
-              </a:p>
-            </p:txBody>
-          </p:sp>
-          <p:sp>
-            <p:nvSpPr>
-              <p:cNvPr id="8" name="Ellipse 7">
-                <a:extLst>
-                  <a:ext uri="{FF2B5EF4-FFF2-40B4-BE49-F238E27FC236}">
-                    <a16:creationId xmlns:a16="http://schemas.microsoft.com/office/drawing/2014/main" id="{BBC91AB8-1C39-40BD-8158-CC61BC00C36F}"/>
-                  </a:ext>
-                </a:extLst>
-              </p:cNvPr>
-              <p:cNvSpPr/>
-              <p:nvPr/>
-            </p:nvSpPr>
-            <p:spPr>
-              <a:xfrm>
-                <a:off x="385969" y="1046920"/>
-                <a:ext cx="563217" cy="563217"/>
-              </a:xfrm>
-              <a:prstGeom prst="ellipse">
+              </a:prstTxWarp>
+              <a:noAutofit/>
+            </a:bodyPr>
+            <a:lstStyle/>
+            <a:p>
+              <a:endParaRPr lang="de-AT"/>
+            </a:p>
+          </p:txBody>
+        </p:sp>
+        <p:sp>
+          <p:nvSpPr>
+            <p:cNvPr id="8" name="Ellipse 7">
+              <a:extLst>
+                <a:ext uri="{FF2B5EF4-FFF2-40B4-BE49-F238E27FC236}">
+                  <a16:creationId xmlns:a16="http://schemas.microsoft.com/office/drawing/2014/main" id="{BBC91AB8-1C39-40BD-8158-CC61BC00C36F}"/>
+                </a:ext>
+              </a:extLst>
+            </p:cNvPr>
+            <p:cNvSpPr/>
+            <p:nvPr/>
+          </p:nvSpPr>
+          <p:spPr>
+            <a:xfrm>
+              <a:off x="5129614" y="3392048"/>
+              <a:ext cx="563200" cy="563173"/>
+            </a:xfrm>
+            <a:prstGeom prst="ellipse">
+              <a:avLst/>
+            </a:prstGeom>
+            <a:solidFill>
+              <a:schemeClr val="accent2">
+                <a:lumMod val="20000"/>
+                <a:lumOff val="80000"/>
+              </a:schemeClr>
+            </a:solidFill>
+          </p:spPr>
+          <p:style>
+            <a:lnRef idx="2">
+              <a:schemeClr val="accent1">
+                <a:shade val="50000"/>
+              </a:schemeClr>
+            </a:lnRef>
+            <a:fillRef idx="1">
+              <a:schemeClr val="accent1"/>
+            </a:fillRef>
+            <a:effectRef idx="0">
+              <a:schemeClr val="accent1"/>
+            </a:effectRef>
+            <a:fontRef idx="minor">
+              <a:schemeClr val="lt1"/>
+            </a:fontRef>
+          </p:style>
+          <p:txBody>
+            <a:bodyPr rot="0" spcFirstLastPara="0" vert="horz" wrap="square" lIns="91440" tIns="45720" rIns="91440" bIns="45720" numCol="1" spcCol="0" rtlCol="0" fromWordArt="0" anchor="ctr" anchorCtr="0" forceAA="0" compatLnSpc="1">
+              <a:prstTxWarp prst="textNoShape">
                 <a:avLst/>
-              </a:prstGeom>
-              <a:solidFill>
-                <a:schemeClr val="accent2">
-                  <a:lumMod val="20000"/>
-                  <a:lumOff val="80000"/>
-                </a:schemeClr>
-              </a:solidFill>
-            </p:spPr>
-            <p:style>
-              <a:lnRef idx="2">
-                <a:schemeClr val="accent1">
-                  <a:shade val="50000"/>
-                </a:schemeClr>
-              </a:lnRef>
-              <a:fillRef idx="1">
-                <a:schemeClr val="accent1"/>
-              </a:fillRef>
-              <a:effectRef idx="0">
-                <a:schemeClr val="accent1"/>
-              </a:effectRef>
-              <a:fontRef idx="minor">
-                <a:schemeClr val="lt1"/>
-              </a:fontRef>
-            </p:style>
-            <p:txBody>
-              <a:bodyPr rot="0" spcFirstLastPara="0" vert="horz" wrap="square" lIns="91440" tIns="45720" rIns="91440" bIns="45720" numCol="1" spcCol="0" rtlCol="0" fromWordArt="0" anchor="ctr" anchorCtr="0" forceAA="0" compatLnSpc="1">
-                <a:prstTxWarp prst="textNoShape">
-                  <a:avLst/>
-                </a:prstTxWarp>
-                <a:noAutofit/>
-              </a:bodyPr>
-              <a:lstStyle/>
-              <a:p>
-                <a:endParaRPr lang="de-AT"/>
-              </a:p>
-            </p:txBody>
-          </p:sp>
-          <p:sp>
-            <p:nvSpPr>
-              <p:cNvPr id="9" name="Ellipse 8">
-                <a:extLst>
-                  <a:ext uri="{FF2B5EF4-FFF2-40B4-BE49-F238E27FC236}">
-                    <a16:creationId xmlns:a16="http://schemas.microsoft.com/office/drawing/2014/main" id="{8E045E2C-CA12-47A2-A27B-95C1604765F5}"/>
-                  </a:ext>
-                </a:extLst>
-              </p:cNvPr>
-              <p:cNvSpPr/>
-              <p:nvPr/>
-            </p:nvSpPr>
-            <p:spPr>
-              <a:xfrm>
-                <a:off x="1099930" y="1742659"/>
-                <a:ext cx="563217" cy="563217"/>
-              </a:xfrm>
-              <a:prstGeom prst="ellipse">
+              </a:prstTxWarp>
+              <a:noAutofit/>
+            </a:bodyPr>
+            <a:lstStyle/>
+            <a:p>
+              <a:endParaRPr lang="de-AT"/>
+            </a:p>
+          </p:txBody>
+        </p:sp>
+        <p:sp>
+          <p:nvSpPr>
+            <p:cNvPr id="9" name="Ellipse 8">
+              <a:extLst>
+                <a:ext uri="{FF2B5EF4-FFF2-40B4-BE49-F238E27FC236}">
+                  <a16:creationId xmlns:a16="http://schemas.microsoft.com/office/drawing/2014/main" id="{8E045E2C-CA12-47A2-A27B-95C1604765F5}"/>
+                </a:ext>
+              </a:extLst>
+            </p:cNvPr>
+            <p:cNvSpPr/>
+            <p:nvPr/>
+          </p:nvSpPr>
+          <p:spPr>
+            <a:xfrm>
+              <a:off x="5843554" y="4087732"/>
+              <a:ext cx="563200" cy="563173"/>
+            </a:xfrm>
+            <a:prstGeom prst="ellipse">
+              <a:avLst/>
+            </a:prstGeom>
+            <a:solidFill>
+              <a:schemeClr val="accent2">
+                <a:lumMod val="20000"/>
+                <a:lumOff val="80000"/>
+              </a:schemeClr>
+            </a:solidFill>
+          </p:spPr>
+          <p:style>
+            <a:lnRef idx="2">
+              <a:schemeClr val="accent1">
+                <a:shade val="50000"/>
+              </a:schemeClr>
+            </a:lnRef>
+            <a:fillRef idx="1">
+              <a:schemeClr val="accent1"/>
+            </a:fillRef>
+            <a:effectRef idx="0">
+              <a:schemeClr val="accent1"/>
+            </a:effectRef>
+            <a:fontRef idx="minor">
+              <a:schemeClr val="lt1"/>
+            </a:fontRef>
+          </p:style>
+          <p:txBody>
+            <a:bodyPr rot="0" spcFirstLastPara="0" vert="horz" wrap="square" lIns="91440" tIns="45720" rIns="91440" bIns="45720" numCol="1" spcCol="0" rtlCol="0" fromWordArt="0" anchor="ctr" anchorCtr="0" forceAA="0" compatLnSpc="1">
+              <a:prstTxWarp prst="textNoShape">
                 <a:avLst/>
-              </a:prstGeom>
-              <a:solidFill>
-                <a:schemeClr val="accent2">
-                  <a:lumMod val="20000"/>
-                  <a:lumOff val="80000"/>
-                </a:schemeClr>
-              </a:solidFill>
-            </p:spPr>
-            <p:style>
-              <a:lnRef idx="2">
-                <a:schemeClr val="accent1">
-                  <a:shade val="50000"/>
-                </a:schemeClr>
-              </a:lnRef>
-              <a:fillRef idx="1">
-                <a:schemeClr val="accent1"/>
-              </a:fillRef>
-              <a:effectRef idx="0">
-                <a:schemeClr val="accent1"/>
-              </a:effectRef>
-              <a:fontRef idx="minor">
-                <a:schemeClr val="lt1"/>
-              </a:fontRef>
-            </p:style>
-            <p:txBody>
-              <a:bodyPr rot="0" spcFirstLastPara="0" vert="horz" wrap="square" lIns="91440" tIns="45720" rIns="91440" bIns="45720" numCol="1" spcCol="0" rtlCol="0" fromWordArt="0" anchor="ctr" anchorCtr="0" forceAA="0" compatLnSpc="1">
-                <a:prstTxWarp prst="textNoShape">
-                  <a:avLst/>
-                </a:prstTxWarp>
-                <a:noAutofit/>
-              </a:bodyPr>
-              <a:lstStyle/>
-              <a:p>
-                <a:endParaRPr lang="de-AT"/>
-              </a:p>
-            </p:txBody>
-          </p:sp>
-          <p:cxnSp>
-            <p:nvCxnSpPr>
-              <p:cNvPr id="10" name="Gerader Verbinder 9">
-                <a:extLst>
-                  <a:ext uri="{FF2B5EF4-FFF2-40B4-BE49-F238E27FC236}">
-                    <a16:creationId xmlns:a16="http://schemas.microsoft.com/office/drawing/2014/main" id="{25BF526A-0370-4549-AB68-F65AEE00604C}"/>
-                  </a:ext>
-                </a:extLst>
-              </p:cNvPr>
-              <p:cNvCxnSpPr>
-                <a:cxnSpLocks/>
-              </p:cNvCxnSpPr>
-              <p:nvPr/>
-            </p:nvCxnSpPr>
-            <p:spPr>
-              <a:xfrm>
-                <a:off x="0" y="1305337"/>
-                <a:ext cx="2729948" cy="0"/>
-              </a:xfrm>
-              <a:prstGeom prst="line">
+              </a:prstTxWarp>
+              <a:noAutofit/>
+            </a:bodyPr>
+            <a:lstStyle/>
+            <a:p>
+              <a:endParaRPr lang="de-AT"/>
+            </a:p>
+          </p:txBody>
+        </p:sp>
+        <p:cxnSp>
+          <p:nvCxnSpPr>
+            <p:cNvPr id="10" name="Gerader Verbinder 9">
+              <a:extLst>
+                <a:ext uri="{FF2B5EF4-FFF2-40B4-BE49-F238E27FC236}">
+                  <a16:creationId xmlns:a16="http://schemas.microsoft.com/office/drawing/2014/main" id="{25BF526A-0370-4549-AB68-F65AEE00604C}"/>
+                </a:ext>
+              </a:extLst>
+            </p:cNvPr>
+            <p:cNvCxnSpPr>
+              <a:cxnSpLocks/>
+            </p:cNvCxnSpPr>
+            <p:nvPr/>
+          </p:nvCxnSpPr>
+          <p:spPr>
+            <a:xfrm>
+              <a:off x="4712575" y="3632222"/>
+              <a:ext cx="2729865" cy="0"/>
+            </a:xfrm>
+            <a:prstGeom prst="line">
+              <a:avLst/>
+            </a:prstGeom>
+            <a:ln>
+              <a:prstDash val="lgDashDot"/>
+            </a:ln>
+          </p:spPr>
+          <p:style>
+            <a:lnRef idx="1">
+              <a:schemeClr val="accent1"/>
+            </a:lnRef>
+            <a:fillRef idx="0">
+              <a:schemeClr val="accent1"/>
+            </a:fillRef>
+            <a:effectRef idx="0">
+              <a:schemeClr val="accent1"/>
+            </a:effectRef>
+            <a:fontRef idx="minor">
+              <a:schemeClr val="tx1"/>
+            </a:fontRef>
+          </p:style>
+        </p:cxnSp>
+        <p:cxnSp>
+          <p:nvCxnSpPr>
+            <p:cNvPr id="11" name="Gerader Verbinder 10">
+              <a:extLst>
+                <a:ext uri="{FF2B5EF4-FFF2-40B4-BE49-F238E27FC236}">
+                  <a16:creationId xmlns:a16="http://schemas.microsoft.com/office/drawing/2014/main" id="{3C9E9ED2-FA07-4321-89D6-92890666F8F2}"/>
+                </a:ext>
+              </a:extLst>
+            </p:cNvPr>
+            <p:cNvCxnSpPr>
+              <a:cxnSpLocks/>
+            </p:cNvCxnSpPr>
+            <p:nvPr/>
+          </p:nvCxnSpPr>
+          <p:spPr>
+            <a:xfrm flipV="1">
+              <a:off x="6090865" y="2325332"/>
+              <a:ext cx="6626" cy="2650225"/>
+            </a:xfrm>
+            <a:prstGeom prst="line">
+              <a:avLst/>
+            </a:prstGeom>
+            <a:ln>
+              <a:prstDash val="lgDashDot"/>
+            </a:ln>
+          </p:spPr>
+          <p:style>
+            <a:lnRef idx="1">
+              <a:schemeClr val="accent1"/>
+            </a:lnRef>
+            <a:fillRef idx="0">
+              <a:schemeClr val="accent1"/>
+            </a:fillRef>
+            <a:effectRef idx="0">
+              <a:schemeClr val="accent1"/>
+            </a:effectRef>
+            <a:fontRef idx="minor">
+              <a:schemeClr val="tx1"/>
+            </a:fontRef>
+          </p:style>
+        </p:cxnSp>
+        <p:sp>
+          <p:nvSpPr>
+            <p:cNvPr id="12" name="Rechteck 11">
+              <a:extLst>
+                <a:ext uri="{FF2B5EF4-FFF2-40B4-BE49-F238E27FC236}">
+                  <a16:creationId xmlns:a16="http://schemas.microsoft.com/office/drawing/2014/main" id="{33A1F31B-91CF-43CD-B5DA-A8402F9FA191}"/>
+                </a:ext>
+              </a:extLst>
+            </p:cNvPr>
+            <p:cNvSpPr/>
+            <p:nvPr/>
+          </p:nvSpPr>
+          <p:spPr>
+            <a:xfrm>
+              <a:off x="4857879" y="1493822"/>
+              <a:ext cx="2425074" cy="417410"/>
+            </a:xfrm>
+            <a:prstGeom prst="rect">
+              <a:avLst/>
+            </a:prstGeom>
+            <a:solidFill>
+              <a:schemeClr val="bg2"/>
+            </a:solidFill>
+          </p:spPr>
+          <p:style>
+            <a:lnRef idx="2">
+              <a:schemeClr val="accent1">
+                <a:shade val="50000"/>
+              </a:schemeClr>
+            </a:lnRef>
+            <a:fillRef idx="1">
+              <a:schemeClr val="accent1"/>
+            </a:fillRef>
+            <a:effectRef idx="0">
+              <a:schemeClr val="accent1"/>
+            </a:effectRef>
+            <a:fontRef idx="minor">
+              <a:schemeClr val="lt1"/>
+            </a:fontRef>
+          </p:style>
+          <p:txBody>
+            <a:bodyPr rot="0" spcFirstLastPara="0" vert="horz" wrap="square" lIns="91440" tIns="45720" rIns="91440" bIns="45720" numCol="1" spcCol="0" rtlCol="0" fromWordArt="0" anchor="ctr" anchorCtr="0" forceAA="0" compatLnSpc="1">
+              <a:prstTxWarp prst="textNoShape">
                 <a:avLst/>
-              </a:prstGeom>
-              <a:ln>
-                <a:prstDash val="lgDashDot"/>
-              </a:ln>
-            </p:spPr>
-            <p:style>
-              <a:lnRef idx="1">
-                <a:schemeClr val="accent1"/>
-              </a:lnRef>
-              <a:fillRef idx="0">
-                <a:schemeClr val="accent1"/>
-              </a:fillRef>
-              <a:effectRef idx="0">
-                <a:schemeClr val="accent1"/>
-              </a:effectRef>
-              <a:fontRef idx="minor">
-                <a:schemeClr val="tx1"/>
-              </a:fontRef>
-            </p:style>
-          </p:cxnSp>
-          <p:cxnSp>
-            <p:nvCxnSpPr>
-              <p:cNvPr id="11" name="Gerader Verbinder 10">
-                <a:extLst>
-                  <a:ext uri="{FF2B5EF4-FFF2-40B4-BE49-F238E27FC236}">
-                    <a16:creationId xmlns:a16="http://schemas.microsoft.com/office/drawing/2014/main" id="{3C9E9ED2-FA07-4321-89D6-92890666F8F2}"/>
-                  </a:ext>
-                </a:extLst>
-              </p:cNvPr>
-              <p:cNvCxnSpPr>
-                <a:cxnSpLocks/>
-              </p:cNvCxnSpPr>
-              <p:nvPr/>
-            </p:nvCxnSpPr>
-            <p:spPr>
-              <a:xfrm flipV="1">
-                <a:off x="1381538" y="0"/>
-                <a:ext cx="6626" cy="2650433"/>
-              </a:xfrm>
-              <a:prstGeom prst="line">
+              </a:prstTxWarp>
+              <a:noAutofit/>
+            </a:bodyPr>
+            <a:lstStyle/>
+            <a:p>
+              <a:endParaRPr lang="de-AT"/>
+            </a:p>
+          </p:txBody>
+        </p:sp>
+        <p:sp>
+          <p:nvSpPr>
+            <p:cNvPr id="13" name="Trapezoid 12">
+              <a:extLst>
+                <a:ext uri="{FF2B5EF4-FFF2-40B4-BE49-F238E27FC236}">
+                  <a16:creationId xmlns:a16="http://schemas.microsoft.com/office/drawing/2014/main" id="{0D2DC254-04CA-41F4-B401-59236F446E06}"/>
+                </a:ext>
+              </a:extLst>
+            </p:cNvPr>
+            <p:cNvSpPr/>
+            <p:nvPr/>
+          </p:nvSpPr>
+          <p:spPr>
+            <a:xfrm>
+              <a:off x="5074875" y="1235425"/>
+              <a:ext cx="586391" cy="258397"/>
+            </a:xfrm>
+            <a:prstGeom prst="trapezoid">
+              <a:avLst/>
+            </a:prstGeom>
+            <a:solidFill>
+              <a:schemeClr val="accent2">
+                <a:lumMod val="20000"/>
+                <a:lumOff val="80000"/>
+              </a:schemeClr>
+            </a:solidFill>
+          </p:spPr>
+          <p:style>
+            <a:lnRef idx="2">
+              <a:schemeClr val="accent1">
+                <a:shade val="50000"/>
+              </a:schemeClr>
+            </a:lnRef>
+            <a:fillRef idx="1">
+              <a:schemeClr val="accent1"/>
+            </a:fillRef>
+            <a:effectRef idx="0">
+              <a:schemeClr val="accent1"/>
+            </a:effectRef>
+            <a:fontRef idx="minor">
+              <a:schemeClr val="lt1"/>
+            </a:fontRef>
+          </p:style>
+          <p:txBody>
+            <a:bodyPr rot="0" spcFirstLastPara="0" vert="horz" wrap="square" lIns="91440" tIns="45720" rIns="91440" bIns="45720" numCol="1" spcCol="0" rtlCol="0" fromWordArt="0" anchor="ctr" anchorCtr="0" forceAA="0" compatLnSpc="1">
+              <a:prstTxWarp prst="textNoShape">
                 <a:avLst/>
-              </a:prstGeom>
-              <a:ln>
-                <a:prstDash val="lgDashDot"/>
-              </a:ln>
-            </p:spPr>
-            <p:style>
-              <a:lnRef idx="1">
-                <a:schemeClr val="accent1"/>
-              </a:lnRef>
-              <a:fillRef idx="0">
-                <a:schemeClr val="accent1"/>
-              </a:fillRef>
-              <a:effectRef idx="0">
-                <a:schemeClr val="accent1"/>
-              </a:effectRef>
-              <a:fontRef idx="minor">
-                <a:schemeClr val="tx1"/>
-              </a:fontRef>
-            </p:style>
-          </p:cxnSp>
-          <p:sp>
-            <p:nvSpPr>
-              <p:cNvPr id="12" name="Rechteck 11">
-                <a:extLst>
-                  <a:ext uri="{FF2B5EF4-FFF2-40B4-BE49-F238E27FC236}">
-                    <a16:creationId xmlns:a16="http://schemas.microsoft.com/office/drawing/2014/main" id="{33A1F31B-91CF-43CD-B5DA-A8402F9FA191}"/>
-                  </a:ext>
-                </a:extLst>
-              </p:cNvPr>
-              <p:cNvSpPr/>
-              <p:nvPr/>
-            </p:nvSpPr>
-            <p:spPr>
-              <a:xfrm>
-                <a:off x="145774" y="3289850"/>
-                <a:ext cx="2425148" cy="417443"/>
-              </a:xfrm>
-              <a:prstGeom prst="rect">
+              </a:prstTxWarp>
+              <a:noAutofit/>
+            </a:bodyPr>
+            <a:lstStyle/>
+            <a:p>
+              <a:endParaRPr lang="de-AT"/>
+            </a:p>
+          </p:txBody>
+        </p:sp>
+        <p:sp>
+          <p:nvSpPr>
+            <p:cNvPr id="14" name="Trapezoid 13">
+              <a:extLst>
+                <a:ext uri="{FF2B5EF4-FFF2-40B4-BE49-F238E27FC236}">
+                  <a16:creationId xmlns:a16="http://schemas.microsoft.com/office/drawing/2014/main" id="{D1AB727D-AD78-4F6C-A72D-681FE2DC4EAF}"/>
+                </a:ext>
+              </a:extLst>
+            </p:cNvPr>
+            <p:cNvSpPr/>
+            <p:nvPr/>
+          </p:nvSpPr>
+          <p:spPr>
+            <a:xfrm>
+              <a:off x="6486187" y="1235425"/>
+              <a:ext cx="586391" cy="258397"/>
+            </a:xfrm>
+            <a:prstGeom prst="trapezoid">
+              <a:avLst/>
+            </a:prstGeom>
+            <a:solidFill>
+              <a:schemeClr val="accent2">
+                <a:lumMod val="20000"/>
+                <a:lumOff val="80000"/>
+              </a:schemeClr>
+            </a:solidFill>
+          </p:spPr>
+          <p:style>
+            <a:lnRef idx="2">
+              <a:schemeClr val="accent1">
+                <a:shade val="50000"/>
+              </a:schemeClr>
+            </a:lnRef>
+            <a:fillRef idx="1">
+              <a:schemeClr val="accent1"/>
+            </a:fillRef>
+            <a:effectRef idx="0">
+              <a:schemeClr val="accent1"/>
+            </a:effectRef>
+            <a:fontRef idx="minor">
+              <a:schemeClr val="lt1"/>
+            </a:fontRef>
+          </p:style>
+          <p:txBody>
+            <a:bodyPr rot="0" spcFirstLastPara="0" vert="horz" wrap="square" lIns="91440" tIns="45720" rIns="91440" bIns="45720" numCol="1" spcCol="0" rtlCol="0" fromWordArt="0" anchor="ctr" anchorCtr="0" forceAA="0" compatLnSpc="1">
+              <a:prstTxWarp prst="textNoShape">
                 <a:avLst/>
-              </a:prstGeom>
-              <a:solidFill>
-                <a:schemeClr val="bg2"/>
-              </a:solidFill>
-            </p:spPr>
-            <p:style>
-              <a:lnRef idx="2">
-                <a:schemeClr val="accent1">
-                  <a:shade val="50000"/>
-                </a:schemeClr>
-              </a:lnRef>
-              <a:fillRef idx="1">
-                <a:schemeClr val="accent1"/>
-              </a:fillRef>
-              <a:effectRef idx="0">
-                <a:schemeClr val="accent1"/>
-              </a:effectRef>
-              <a:fontRef idx="minor">
-                <a:schemeClr val="lt1"/>
-              </a:fontRef>
-            </p:style>
-            <p:txBody>
-              <a:bodyPr rot="0" spcFirstLastPara="0" vert="horz" wrap="square" lIns="91440" tIns="45720" rIns="91440" bIns="45720" numCol="1" spcCol="0" rtlCol="0" fromWordArt="0" anchor="ctr" anchorCtr="0" forceAA="0" compatLnSpc="1">
-                <a:prstTxWarp prst="textNoShape">
-                  <a:avLst/>
-                </a:prstTxWarp>
-                <a:noAutofit/>
-              </a:bodyPr>
-              <a:lstStyle/>
-              <a:p>
-                <a:endParaRPr lang="de-AT"/>
-              </a:p>
-            </p:txBody>
-          </p:sp>
-          <p:sp>
-            <p:nvSpPr>
-              <p:cNvPr id="13" name="Trapezoid 12">
-                <a:extLst>
-                  <a:ext uri="{FF2B5EF4-FFF2-40B4-BE49-F238E27FC236}">
-                    <a16:creationId xmlns:a16="http://schemas.microsoft.com/office/drawing/2014/main" id="{0D2DC254-04CA-41F4-B401-59236F446E06}"/>
-                  </a:ext>
-                </a:extLst>
-              </p:cNvPr>
-              <p:cNvSpPr/>
-              <p:nvPr/>
-            </p:nvSpPr>
-            <p:spPr>
-              <a:xfrm>
-                <a:off x="362777" y="3031433"/>
-                <a:ext cx="586409" cy="258417"/>
-              </a:xfrm>
-              <a:prstGeom prst="trapezoid">
+              </a:prstTxWarp>
+              <a:noAutofit/>
+            </a:bodyPr>
+            <a:lstStyle/>
+            <a:p>
+              <a:endParaRPr lang="de-AT"/>
+            </a:p>
+          </p:txBody>
+        </p:sp>
+        <p:sp>
+          <p:nvSpPr>
+            <p:cNvPr id="15" name="Trapezoid 14">
+              <a:extLst>
+                <a:ext uri="{FF2B5EF4-FFF2-40B4-BE49-F238E27FC236}">
+                  <a16:creationId xmlns:a16="http://schemas.microsoft.com/office/drawing/2014/main" id="{9343FE6D-113B-43FF-8A86-B1A68D4A11CD}"/>
+                </a:ext>
+              </a:extLst>
+            </p:cNvPr>
+            <p:cNvSpPr/>
+            <p:nvPr/>
+          </p:nvSpPr>
+          <p:spPr>
+            <a:xfrm>
+              <a:off x="5800409" y="1232112"/>
+              <a:ext cx="586391" cy="258397"/>
+            </a:xfrm>
+            <a:prstGeom prst="trapezoid">
+              <a:avLst/>
+            </a:prstGeom>
+            <a:solidFill>
+              <a:schemeClr val="accent2">
+                <a:lumMod val="20000"/>
+                <a:lumOff val="80000"/>
+              </a:schemeClr>
+            </a:solidFill>
+          </p:spPr>
+          <p:style>
+            <a:lnRef idx="2">
+              <a:schemeClr val="accent1">
+                <a:shade val="50000"/>
+              </a:schemeClr>
+            </a:lnRef>
+            <a:fillRef idx="1">
+              <a:schemeClr val="accent1"/>
+            </a:fillRef>
+            <a:effectRef idx="0">
+              <a:schemeClr val="accent1"/>
+            </a:effectRef>
+            <a:fontRef idx="minor">
+              <a:schemeClr val="lt1"/>
+            </a:fontRef>
+          </p:style>
+          <p:txBody>
+            <a:bodyPr rot="0" spcFirstLastPara="0" vert="horz" wrap="square" lIns="91440" tIns="45720" rIns="91440" bIns="45720" numCol="1" spcCol="0" rtlCol="0" fromWordArt="0" anchor="ctr" anchorCtr="0" forceAA="0" compatLnSpc="1">
+              <a:prstTxWarp prst="textNoShape">
                 <a:avLst/>
-              </a:prstGeom>
-              <a:solidFill>
-                <a:schemeClr val="accent2">
-                  <a:lumMod val="20000"/>
-                  <a:lumOff val="80000"/>
-                </a:schemeClr>
-              </a:solidFill>
-            </p:spPr>
-            <p:style>
-              <a:lnRef idx="2">
-                <a:schemeClr val="accent1">
-                  <a:shade val="50000"/>
-                </a:schemeClr>
-              </a:lnRef>
-              <a:fillRef idx="1">
-                <a:schemeClr val="accent1"/>
-              </a:fillRef>
-              <a:effectRef idx="0">
-                <a:schemeClr val="accent1"/>
-              </a:effectRef>
-              <a:fontRef idx="minor">
-                <a:schemeClr val="lt1"/>
-              </a:fontRef>
-            </p:style>
-            <p:txBody>
-              <a:bodyPr rot="0" spcFirstLastPara="0" vert="horz" wrap="square" lIns="91440" tIns="45720" rIns="91440" bIns="45720" numCol="1" spcCol="0" rtlCol="0" fromWordArt="0" anchor="ctr" anchorCtr="0" forceAA="0" compatLnSpc="1">
-                <a:prstTxWarp prst="textNoShape">
-                  <a:avLst/>
-                </a:prstTxWarp>
-                <a:noAutofit/>
-              </a:bodyPr>
-              <a:lstStyle/>
-              <a:p>
-                <a:endParaRPr lang="de-AT"/>
-              </a:p>
-            </p:txBody>
-          </p:sp>
-          <p:sp>
-            <p:nvSpPr>
-              <p:cNvPr id="14" name="Trapezoid 13">
-                <a:extLst>
-                  <a:ext uri="{FF2B5EF4-FFF2-40B4-BE49-F238E27FC236}">
-                    <a16:creationId xmlns:a16="http://schemas.microsoft.com/office/drawing/2014/main" id="{D1AB727D-AD78-4F6C-A72D-681FE2DC4EAF}"/>
-                  </a:ext>
-                </a:extLst>
-              </p:cNvPr>
-              <p:cNvSpPr/>
-              <p:nvPr/>
-            </p:nvSpPr>
-            <p:spPr>
-              <a:xfrm>
-                <a:off x="1774132" y="3031433"/>
-                <a:ext cx="586409" cy="258417"/>
-              </a:xfrm>
-              <a:prstGeom prst="trapezoid">
-                <a:avLst/>
-              </a:prstGeom>
-              <a:solidFill>
-                <a:schemeClr val="accent2">
-                  <a:lumMod val="20000"/>
-                  <a:lumOff val="80000"/>
-                </a:schemeClr>
-              </a:solidFill>
-            </p:spPr>
-            <p:style>
-              <a:lnRef idx="2">
-                <a:schemeClr val="accent1">
-                  <a:shade val="50000"/>
-                </a:schemeClr>
-              </a:lnRef>
-              <a:fillRef idx="1">
-                <a:schemeClr val="accent1"/>
-              </a:fillRef>
-              <a:effectRef idx="0">
-                <a:schemeClr val="accent1"/>
-              </a:effectRef>
-              <a:fontRef idx="minor">
-                <a:schemeClr val="lt1"/>
-              </a:fontRef>
-            </p:style>
-            <p:txBody>
-              <a:bodyPr rot="0" spcFirstLastPara="0" vert="horz" wrap="square" lIns="91440" tIns="45720" rIns="91440" bIns="45720" numCol="1" spcCol="0" rtlCol="0" fromWordArt="0" anchor="ctr" anchorCtr="0" forceAA="0" compatLnSpc="1">
-                <a:prstTxWarp prst="textNoShape">
-                  <a:avLst/>
-                </a:prstTxWarp>
-                <a:noAutofit/>
-              </a:bodyPr>
-              <a:lstStyle/>
-              <a:p>
-                <a:endParaRPr lang="de-AT"/>
-              </a:p>
-            </p:txBody>
-          </p:sp>
-          <p:sp>
-            <p:nvSpPr>
-              <p:cNvPr id="15" name="Trapezoid 14">
-                <a:extLst>
-                  <a:ext uri="{FF2B5EF4-FFF2-40B4-BE49-F238E27FC236}">
-                    <a16:creationId xmlns:a16="http://schemas.microsoft.com/office/drawing/2014/main" id="{9343FE6D-113B-43FF-8A86-B1A68D4A11CD}"/>
-                  </a:ext>
-                </a:extLst>
-              </p:cNvPr>
-              <p:cNvSpPr/>
-              <p:nvPr/>
-            </p:nvSpPr>
-            <p:spPr>
-              <a:xfrm>
-                <a:off x="1088333" y="3028120"/>
-                <a:ext cx="586409" cy="258417"/>
-              </a:xfrm>
-              <a:prstGeom prst="trapezoid">
-                <a:avLst/>
-              </a:prstGeom>
-              <a:solidFill>
-                <a:schemeClr val="accent2">
-                  <a:lumMod val="20000"/>
-                  <a:lumOff val="80000"/>
-                </a:schemeClr>
-              </a:solidFill>
-            </p:spPr>
-            <p:style>
-              <a:lnRef idx="2">
-                <a:schemeClr val="accent1">
-                  <a:shade val="50000"/>
-                </a:schemeClr>
-              </a:lnRef>
-              <a:fillRef idx="1">
-                <a:schemeClr val="accent1"/>
-              </a:fillRef>
-              <a:effectRef idx="0">
-                <a:schemeClr val="accent1"/>
-              </a:effectRef>
-              <a:fontRef idx="minor">
-                <a:schemeClr val="lt1"/>
-              </a:fontRef>
-            </p:style>
-            <p:txBody>
-              <a:bodyPr rot="0" spcFirstLastPara="0" vert="horz" wrap="square" lIns="91440" tIns="45720" rIns="91440" bIns="45720" numCol="1" spcCol="0" rtlCol="0" fromWordArt="0" anchor="ctr" anchorCtr="0" forceAA="0" compatLnSpc="1">
-                <a:prstTxWarp prst="textNoShape">
-                  <a:avLst/>
-                </a:prstTxWarp>
-                <a:noAutofit/>
-              </a:bodyPr>
-              <a:lstStyle/>
-              <a:p>
-                <a:endParaRPr lang="de-AT"/>
-              </a:p>
-            </p:txBody>
-          </p:sp>
-          <p:cxnSp>
-            <p:nvCxnSpPr>
-              <p:cNvPr id="16" name="Gerader Verbinder 15">
-                <a:extLst>
-                  <a:ext uri="{FF2B5EF4-FFF2-40B4-BE49-F238E27FC236}">
-                    <a16:creationId xmlns:a16="http://schemas.microsoft.com/office/drawing/2014/main" id="{9A1B8D01-C0D4-401A-A4A4-3A28761DC82B}"/>
-                  </a:ext>
-                </a:extLst>
-              </p:cNvPr>
-              <p:cNvCxnSpPr>
-                <a:cxnSpLocks/>
-              </p:cNvCxnSpPr>
-              <p:nvPr/>
-            </p:nvCxnSpPr>
-            <p:spPr>
-              <a:xfrm flipV="1">
-                <a:off x="1394790" y="2920446"/>
-                <a:ext cx="0" cy="942562"/>
-              </a:xfrm>
-              <a:prstGeom prst="line">
-                <a:avLst/>
-              </a:prstGeom>
-              <a:ln>
-                <a:prstDash val="lgDashDot"/>
-              </a:ln>
-            </p:spPr>
-            <p:style>
-              <a:lnRef idx="1">
-                <a:schemeClr val="accent1"/>
-              </a:lnRef>
-              <a:fillRef idx="0">
-                <a:schemeClr val="accent1"/>
-              </a:fillRef>
-              <a:effectRef idx="0">
-                <a:schemeClr val="accent1"/>
-              </a:effectRef>
-              <a:fontRef idx="minor">
-                <a:schemeClr val="tx1"/>
-              </a:fontRef>
-            </p:style>
-          </p:cxnSp>
-        </p:grpSp>
+              </a:prstTxWarp>
+              <a:noAutofit/>
+            </a:bodyPr>
+            <a:lstStyle/>
+            <a:p>
+              <a:endParaRPr lang="de-AT"/>
+            </a:p>
+          </p:txBody>
+        </p:sp>
+        <p:cxnSp>
+          <p:nvCxnSpPr>
+            <p:cNvPr id="16" name="Gerader Verbinder 15">
+              <a:extLst>
+                <a:ext uri="{FF2B5EF4-FFF2-40B4-BE49-F238E27FC236}">
+                  <a16:creationId xmlns:a16="http://schemas.microsoft.com/office/drawing/2014/main" id="{9A1B8D01-C0D4-401A-A4A4-3A28761DC82B}"/>
+                </a:ext>
+              </a:extLst>
+            </p:cNvPr>
+            <p:cNvCxnSpPr>
+              <a:cxnSpLocks/>
+            </p:cNvCxnSpPr>
+            <p:nvPr/>
+          </p:nvCxnSpPr>
+          <p:spPr>
+            <a:xfrm flipV="1">
+              <a:off x="6106857" y="1124447"/>
+              <a:ext cx="0" cy="942488"/>
+            </a:xfrm>
+            <a:prstGeom prst="line">
+              <a:avLst/>
+            </a:prstGeom>
+            <a:ln>
+              <a:prstDash val="lgDashDot"/>
+            </a:ln>
+          </p:spPr>
+          <p:style>
+            <a:lnRef idx="1">
+              <a:schemeClr val="accent1"/>
+            </a:lnRef>
+            <a:fillRef idx="0">
+              <a:schemeClr val="accent1"/>
+            </a:fillRef>
+            <a:effectRef idx="0">
+              <a:schemeClr val="accent1"/>
+            </a:effectRef>
+            <a:fontRef idx="minor">
+              <a:schemeClr val="tx1"/>
+            </a:fontRef>
+          </p:style>
+        </p:cxnSp>
         <p:cxnSp>
           <p:nvCxnSpPr>
             <p:cNvPr id="20" name="Gerader Verbinder 19">
@@ -4022,7 +4006,7 @@
           </p:nvCxnSpPr>
           <p:spPr>
             <a:xfrm>
-              <a:off x="5680224" y="2093843"/>
+              <a:off x="5692814" y="2941405"/>
               <a:ext cx="824921" cy="0"/>
             </a:xfrm>
             <a:prstGeom prst="line">
@@ -4067,7 +4051,7 @@
           </p:nvCxnSpPr>
           <p:spPr>
             <a:xfrm>
-              <a:off x="5680224" y="3531704"/>
+              <a:off x="5692814" y="4379266"/>
               <a:ext cx="824921" cy="0"/>
             </a:xfrm>
             <a:prstGeom prst="line">
@@ -4114,7 +4098,7 @@
           </p:nvCxnSpPr>
           <p:spPr>
             <a:xfrm>
-              <a:off x="5406886" y="2392098"/>
+              <a:off x="5419476" y="3239660"/>
               <a:ext cx="0" cy="848072"/>
             </a:xfrm>
             <a:prstGeom prst="line">
@@ -4161,7 +4145,7 @@
           </p:nvCxnSpPr>
           <p:spPr>
             <a:xfrm>
-              <a:off x="6818243" y="2392098"/>
+              <a:off x="6830833" y="3239660"/>
               <a:ext cx="0" cy="848072"/>
             </a:xfrm>
             <a:prstGeom prst="line">
@@ -4206,7 +4190,7 @@
           </p:nvCxnSpPr>
           <p:spPr>
             <a:xfrm>
-              <a:off x="5380382" y="4379816"/>
+              <a:off x="5361424" y="1086398"/>
               <a:ext cx="0" cy="589770"/>
             </a:xfrm>
             <a:prstGeom prst="line">
@@ -4251,7 +4235,7 @@
           </p:nvCxnSpPr>
           <p:spPr>
             <a:xfrm>
-              <a:off x="6818243" y="4417865"/>
+              <a:off x="6799285" y="1124447"/>
               <a:ext cx="0" cy="589770"/>
             </a:xfrm>
             <a:prstGeom prst="line">
